--- a/Gerente de projeto/ApresentaçãoV2.pptx
+++ b/Gerente de projeto/ApresentaçãoV2.pptx
@@ -5,10 +5,10 @@
     <p:sldMasterId id="2147483648" r:id="rId2"/>
   </p:sldMasterIdLst>
   <p:notesMasterIdLst>
-    <p:notesMasterId r:id="rId11"/>
+    <p:notesMasterId r:id="rId12"/>
   </p:notesMasterIdLst>
   <p:handoutMasterIdLst>
-    <p:handoutMasterId r:id="rId12"/>
+    <p:handoutMasterId r:id="rId13"/>
   </p:handoutMasterIdLst>
   <p:sldIdLst>
     <p:sldId id="267" r:id="rId3"/>
@@ -18,7 +18,8 @@
     <p:sldId id="258" r:id="rId7"/>
     <p:sldId id="260" r:id="rId8"/>
     <p:sldId id="269" r:id="rId9"/>
-    <p:sldId id="271" r:id="rId10"/>
+    <p:sldId id="272" r:id="rId10"/>
+    <p:sldId id="271" r:id="rId11"/>
   </p:sldIdLst>
   <p:sldSz cx="9144000" cy="6858000" type="screen4x3"/>
   <p:notesSz cx="6946900" cy="9283700"/>
@@ -5834,6 +5835,254 @@
 </file>
 
 <file path=ppt/slides/slide8.xml><?xml version="1.0" encoding="utf-8"?>
+<p:sld xmlns:a="http://schemas.openxmlformats.org/drawingml/2006/main" xmlns:r="http://schemas.openxmlformats.org/officeDocument/2006/relationships" xmlns:p="http://schemas.openxmlformats.org/presentationml/2006/main">
+  <p:cSld>
+    <p:spTree>
+      <p:nvGrpSpPr>
+        <p:cNvPr id="1" name=""/>
+        <p:cNvGrpSpPr/>
+        <p:nvPr/>
+      </p:nvGrpSpPr>
+      <p:grpSpPr>
+        <a:xfrm>
+          <a:off x="0" y="0"/>
+          <a:ext cx="0" cy="0"/>
+          <a:chOff x="0" y="0"/>
+          <a:chExt cx="0" cy="0"/>
+        </a:xfrm>
+      </p:grpSpPr>
+      <p:sp>
+        <p:nvSpPr>
+          <p:cNvPr id="24578" name="Rectangle 2"/>
+          <p:cNvSpPr>
+            <a:spLocks noGrp="1" noChangeArrowheads="1"/>
+          </p:cNvSpPr>
+          <p:nvPr>
+            <p:ph type="title"/>
+          </p:nvPr>
+        </p:nvSpPr>
+        <p:spPr>
+          <a:xfrm>
+            <a:off x="1828800" y="1052736"/>
+            <a:ext cx="6629400" cy="838200"/>
+          </a:xfrm>
+        </p:spPr>
+        <p:txBody>
+          <a:bodyPr/>
+          <a:lstStyle/>
+          <a:p>
+            <a:r>
+              <a:rPr lang="en-US" dirty="0" err="1" smtClean="0"/>
+              <a:t>Casos</a:t>
+            </a:r>
+            <a:r>
+              <a:rPr lang="en-US" dirty="0" smtClean="0"/>
+              <a:t> de </a:t>
+            </a:r>
+            <a:r>
+              <a:rPr lang="en-US" dirty="0" err="1" smtClean="0"/>
+              <a:t>uso</a:t>
+            </a:r>
+            <a:r>
+              <a:rPr lang="en-US" dirty="0" smtClean="0"/>
+              <a:t> da </a:t>
+            </a:r>
+            <a:r>
+              <a:rPr lang="en-US" dirty="0" err="1" smtClean="0"/>
+              <a:t>fase</a:t>
+            </a:r>
+            <a:r>
+              <a:rPr lang="en-US" dirty="0" smtClean="0"/>
+              <a:t> de </a:t>
+            </a:r>
+            <a:r>
+              <a:rPr lang="en-US" dirty="0" err="1" smtClean="0"/>
+              <a:t>elaboração</a:t>
+            </a:r>
+            <a:endParaRPr lang="en-US" dirty="0"/>
+          </a:p>
+        </p:txBody>
+      </p:sp>
+      <p:sp>
+        <p:nvSpPr>
+          <p:cNvPr id="24579" name="Rectangle 3"/>
+          <p:cNvSpPr>
+            <a:spLocks noGrp="1" noChangeArrowheads="1"/>
+          </p:cNvSpPr>
+          <p:nvPr>
+            <p:ph type="body" idx="1"/>
+          </p:nvPr>
+        </p:nvSpPr>
+        <p:spPr/>
+        <p:txBody>
+          <a:bodyPr/>
+          <a:lstStyle/>
+          <a:p>
+            <a:pPr algn="just"/>
+            <a:r>
+              <a:rPr lang="en-US" dirty="0" smtClean="0"/>
+              <a:t>UC09 – </a:t>
+            </a:r>
+            <a:r>
+              <a:rPr lang="en-US" dirty="0" err="1" smtClean="0"/>
+              <a:t>Cadastrar</a:t>
+            </a:r>
+            <a:r>
+              <a:rPr lang="en-US" dirty="0" smtClean="0"/>
+              <a:t> </a:t>
+            </a:r>
+            <a:r>
+              <a:rPr lang="en-US" dirty="0" err="1" smtClean="0"/>
+              <a:t>Roteiro</a:t>
+            </a:r>
+            <a:r>
+              <a:rPr lang="en-US" dirty="0" smtClean="0"/>
+              <a:t> do </a:t>
+            </a:r>
+            <a:r>
+              <a:rPr lang="en-US" dirty="0" err="1" smtClean="0"/>
+              <a:t>Curso</a:t>
+            </a:r>
+            <a:endParaRPr lang="en-US" dirty="0" smtClean="0"/>
+          </a:p>
+          <a:p>
+            <a:pPr algn="just"/>
+            <a:r>
+              <a:rPr lang="en-US" dirty="0" smtClean="0"/>
+              <a:t>UC10 – </a:t>
+            </a:r>
+            <a:r>
+              <a:rPr lang="en-US" dirty="0" err="1" smtClean="0"/>
+              <a:t>Cadastrar</a:t>
+            </a:r>
+            <a:r>
+              <a:rPr lang="en-US" dirty="0" smtClean="0"/>
+              <a:t> </a:t>
+            </a:r>
+            <a:r>
+              <a:rPr lang="en-US" dirty="0" err="1" smtClean="0"/>
+              <a:t>Veteranos</a:t>
+            </a:r>
+            <a:endParaRPr lang="en-US" dirty="0" smtClean="0"/>
+          </a:p>
+          <a:p>
+            <a:pPr algn="just"/>
+            <a:r>
+              <a:rPr lang="en-US" dirty="0" smtClean="0"/>
+              <a:t>UC15 – Fazer Backup dos dados</a:t>
+            </a:r>
+          </a:p>
+          <a:p>
+            <a:pPr algn="just"/>
+            <a:r>
+              <a:rPr lang="en-US" dirty="0" smtClean="0"/>
+              <a:t>UC16 – Fazer </a:t>
+            </a:r>
+            <a:r>
+              <a:rPr lang="en-US" dirty="0" err="1" smtClean="0"/>
+              <a:t>restauração</a:t>
+            </a:r>
+            <a:r>
+              <a:rPr lang="en-US" dirty="0" smtClean="0"/>
+              <a:t> a </a:t>
+            </a:r>
+            <a:r>
+              <a:rPr lang="en-US" dirty="0" err="1" smtClean="0"/>
+              <a:t>partir</a:t>
+            </a:r>
+            <a:r>
+              <a:rPr lang="en-US" dirty="0" smtClean="0"/>
+              <a:t> de um backup</a:t>
+            </a:r>
+          </a:p>
+          <a:p>
+            <a:pPr algn="just"/>
+            <a:r>
+              <a:rPr lang="en-US" dirty="0" smtClean="0"/>
+              <a:t>UC04 – </a:t>
+            </a:r>
+            <a:r>
+              <a:rPr lang="en-US" dirty="0" err="1" smtClean="0"/>
+              <a:t>Definir</a:t>
+            </a:r>
+            <a:r>
+              <a:rPr lang="en-US" dirty="0" smtClean="0"/>
+              <a:t> </a:t>
+            </a:r>
+            <a:r>
+              <a:rPr lang="en-US" dirty="0" err="1" smtClean="0"/>
+              <a:t>Horário</a:t>
+            </a:r>
+            <a:endParaRPr lang="en-US" dirty="0" smtClean="0"/>
+          </a:p>
+          <a:p>
+            <a:pPr algn="just"/>
+            <a:r>
+              <a:rPr lang="en-US" dirty="0" smtClean="0"/>
+              <a:t>UC07 – </a:t>
+            </a:r>
+            <a:r>
+              <a:rPr lang="en-US" dirty="0" err="1" smtClean="0"/>
+              <a:t>Procurar</a:t>
+            </a:r>
+            <a:r>
+              <a:rPr lang="en-US" dirty="0" smtClean="0"/>
+              <a:t> </a:t>
+            </a:r>
+            <a:r>
+              <a:rPr lang="en-US" dirty="0" err="1" smtClean="0"/>
+              <a:t>Veteranos</a:t>
+            </a:r>
+            <a:r>
+              <a:rPr lang="en-US" dirty="0" smtClean="0"/>
+              <a:t> </a:t>
+            </a:r>
+            <a:r>
+              <a:rPr lang="en-US" dirty="0" err="1" smtClean="0"/>
+              <a:t>disponíveis</a:t>
+            </a:r>
+            <a:r>
+              <a:rPr lang="en-US" dirty="0" smtClean="0"/>
+              <a:t> </a:t>
+            </a:r>
+            <a:r>
+              <a:rPr lang="en-US" dirty="0" err="1" smtClean="0"/>
+              <a:t>em</a:t>
+            </a:r>
+            <a:r>
+              <a:rPr lang="en-US" dirty="0" smtClean="0"/>
+              <a:t> </a:t>
+            </a:r>
+            <a:r>
+              <a:rPr lang="en-US" dirty="0" err="1" smtClean="0"/>
+              <a:t>certo</a:t>
+            </a:r>
+            <a:r>
+              <a:rPr lang="en-US" dirty="0" smtClean="0"/>
+              <a:t> </a:t>
+            </a:r>
+            <a:r>
+              <a:rPr lang="en-US" dirty="0" err="1" smtClean="0"/>
+              <a:t>curso</a:t>
+            </a:r>
+            <a:endParaRPr lang="en-US" dirty="0" smtClean="0"/>
+          </a:p>
+        </p:txBody>
+      </p:sp>
+    </p:spTree>
+    <p:extLst>
+      <p:ext uri="{BB962C8B-B14F-4D97-AF65-F5344CB8AC3E}">
+        <p14:creationId xmlns:p14="http://schemas.microsoft.com/office/powerpoint/2010/main" val="1621161902"/>
+      </p:ext>
+    </p:extLst>
+  </p:cSld>
+  <p:clrMapOvr>
+    <a:masterClrMapping/>
+  </p:clrMapOvr>
+</p:sld>
+</file>
+
+<file path=ppt/slides/slide9.xml><?xml version="1.0" encoding="utf-8"?>
 <p:sld xmlns:a="http://schemas.openxmlformats.org/drawingml/2006/main" xmlns:r="http://schemas.openxmlformats.org/officeDocument/2006/relationships" xmlns:p="http://schemas.openxmlformats.org/presentationml/2006/main">
   <p:cSld>
     <p:spTree>

--- a/Gerente de projeto/ApresentaçãoV2.pptx
+++ b/Gerente de projeto/ApresentaçãoV2.pptx
@@ -5677,8 +5677,17 @@
             <a:pPr algn="just"/>
             <a:r>
               <a:rPr lang="en-US" dirty="0" smtClean="0"/>
-              <a:t>27/10/2017 – UAT</a:t>
-            </a:r>
+              <a:t>27/10/2017 – </a:t>
+            </a:r>
+            <a:r>
+              <a:rPr lang="en-US" dirty="0" smtClean="0"/>
+              <a:t>Teste de </a:t>
+            </a:r>
+            <a:r>
+              <a:rPr lang="en-US" smtClean="0"/>
+              <a:t>Aceitação</a:t>
+            </a:r>
+            <a:endParaRPr lang="en-US" dirty="0" smtClean="0"/>
           </a:p>
           <a:p>
             <a:r>
